--- a/responsive_design.pptx
+++ b/responsive_design.pptx
@@ -7,7 +7,7 @@
     <p:sldMasterId id="2147484842" r:id="rId6"/>
   </p:sldMasterIdLst>
   <p:notesMasterIdLst>
-    <p:notesMasterId r:id="rId28"/>
+    <p:notesMasterId r:id="rId29"/>
   </p:notesMasterIdLst>
   <p:sldIdLst>
     <p:sldId id="1224" r:id="rId7"/>
@@ -29,8 +29,9 @@
     <p:sldId id="1246" r:id="rId23"/>
     <p:sldId id="1247" r:id="rId24"/>
     <p:sldId id="1248" r:id="rId25"/>
-    <p:sldId id="1252" r:id="rId26"/>
-    <p:sldId id="1206" r:id="rId27"/>
+    <p:sldId id="1255" r:id="rId26"/>
+    <p:sldId id="1252" r:id="rId27"/>
+    <p:sldId id="1206" r:id="rId28"/>
   </p:sldIdLst>
   <p:sldSz cx="12192000" cy="6858000"/>
   <p:notesSz cx="6858000" cy="9144000"/>
@@ -183,6 +184,7 @@
             <p14:sldId id="1246"/>
             <p14:sldId id="1247"/>
             <p14:sldId id="1248"/>
+            <p14:sldId id="1255"/>
             <p14:sldId id="1252"/>
             <p14:sldId id="1206"/>
           </p14:sldIdLst>
@@ -1497,7 +1499,7 @@
               <a:pPr>
                 <a:defRPr/>
               </a:pPr>
-              <a:t>30/03/2020</a:t>
+              <a:t>01/04/2020</a:t>
             </a:fld>
             <a:endParaRPr lang="en-GB"/>
           </a:p>
@@ -2343,6 +2345,96 @@
                 <a:defRPr/>
               </a:pPr>
               <a:t>20</a:t>
+            </a:fld>
+            <a:endParaRPr lang="en-GB"/>
+          </a:p>
+        </p:txBody>
+      </p:sp>
+    </p:spTree>
+    <p:extLst>
+      <p:ext uri="{BB962C8B-B14F-4D97-AF65-F5344CB8AC3E}">
+        <p14:creationId xmlns:p14="http://schemas.microsoft.com/office/powerpoint/2010/main" val="3979515384"/>
+      </p:ext>
+    </p:extLst>
+  </p:cSld>
+  <p:clrMapOvr>
+    <a:masterClrMapping/>
+  </p:clrMapOvr>
+</p:notes>
+</file>
+
+<file path=ppt/notesSlides/notesSlide7.xml><?xml version="1.0" encoding="utf-8"?>
+<p:notes xmlns:a="http://schemas.openxmlformats.org/drawingml/2006/main" xmlns:r="http://schemas.openxmlformats.org/officeDocument/2006/relationships" xmlns:p="http://schemas.openxmlformats.org/presentationml/2006/main">
+  <p:cSld>
+    <p:spTree>
+      <p:nvGrpSpPr>
+        <p:cNvPr id="1" name=""/>
+        <p:cNvGrpSpPr/>
+        <p:nvPr/>
+      </p:nvGrpSpPr>
+      <p:grpSpPr>
+        <a:xfrm>
+          <a:off x="0" y="0"/>
+          <a:ext cx="0" cy="0"/>
+          <a:chOff x="0" y="0"/>
+          <a:chExt cx="0" cy="0"/>
+        </a:xfrm>
+      </p:grpSpPr>
+      <p:sp>
+        <p:nvSpPr>
+          <p:cNvPr id="2" name="Місце для зображення 1"/>
+          <p:cNvSpPr>
+            <a:spLocks noGrp="1" noRot="1" noChangeAspect="1"/>
+          </p:cNvSpPr>
+          <p:nvPr>
+            <p:ph type="sldImg"/>
+          </p:nvPr>
+        </p:nvSpPr>
+        <p:spPr/>
+      </p:sp>
+      <p:sp>
+        <p:nvSpPr>
+          <p:cNvPr id="3" name="Місце для нотаток 2"/>
+          <p:cNvSpPr>
+            <a:spLocks noGrp="1"/>
+          </p:cNvSpPr>
+          <p:nvPr>
+            <p:ph type="body" idx="1"/>
+          </p:nvPr>
+        </p:nvSpPr>
+        <p:spPr/>
+        <p:txBody>
+          <a:bodyPr/>
+          <a:lstStyle/>
+          <a:p>
+            <a:endParaRPr lang="uk-UA" dirty="0"/>
+          </a:p>
+        </p:txBody>
+      </p:sp>
+      <p:sp>
+        <p:nvSpPr>
+          <p:cNvPr id="4" name="Місце для номера слайда 3"/>
+          <p:cNvSpPr>
+            <a:spLocks noGrp="1"/>
+          </p:cNvSpPr>
+          <p:nvPr>
+            <p:ph type="sldNum" sz="quarter" idx="10"/>
+          </p:nvPr>
+        </p:nvSpPr>
+        <p:spPr/>
+        <p:txBody>
+          <a:bodyPr/>
+          <a:lstStyle/>
+          <a:p>
+            <a:pPr>
+              <a:defRPr/>
+            </a:pPr>
+            <a:fld id="{A7524555-7A4A-402C-AA8C-9E148724DB57}" type="slidenum">
+              <a:rPr lang="en-GB" smtClean="0"/>
+              <a:pPr>
+                <a:defRPr/>
+              </a:pPr>
+              <a:t>21</a:t>
             </a:fld>
             <a:endParaRPr lang="en-GB"/>
           </a:p>
@@ -13535,7 +13627,7 @@
           <p:nvPr>
             <p:extLst>
               <p:ext uri="{D42A27DB-BD31-4B8C-83A1-F6EECF244321}">
-                <p14:modId xmlns:p14="http://schemas.microsoft.com/office/powerpoint/2010/main" val="549350653"/>
+                <p14:modId xmlns:p14="http://schemas.microsoft.com/office/powerpoint/2010/main" val="1091517800"/>
               </p:ext>
             </p:extLst>
           </p:nvPr>
@@ -13646,7 +13738,7 @@
                     <a:p>
                       <a:r>
                         <a:rPr lang="en-US" dirty="0" smtClean="0"/>
-                        <a:t>aural</a:t>
+                        <a:t>speech</a:t>
                       </a:r>
                       <a:endParaRPr lang="uk-UA" dirty="0"/>
                     </a:p>
@@ -14081,7 +14173,7 @@
         </p:blipFill>
         <p:spPr>
           <a:xfrm>
-            <a:off x="8369124" y="2012738"/>
+            <a:off x="7184758" y="2194787"/>
             <a:ext cx="3552911" cy="3548109"/>
           </a:xfrm>
           <a:prstGeom prst="rect">
@@ -14097,7 +14189,7 @@
         </p:nvSpPr>
         <p:spPr>
           <a:xfrm>
-            <a:off x="418010" y="2081575"/>
+            <a:off x="918751" y="2194787"/>
             <a:ext cx="3596640" cy="1477328"/>
           </a:xfrm>
           <a:prstGeom prst="rect">
@@ -14348,7 +14440,7 @@
         </p:nvSpPr>
         <p:spPr>
           <a:xfrm>
-            <a:off x="256900" y="4022559"/>
+            <a:off x="918751" y="4135770"/>
             <a:ext cx="3757749" cy="1754326"/>
           </a:xfrm>
           <a:prstGeom prst="rect">
@@ -15297,14 +15389,20 @@
               <a:t>@media </a:t>
             </a:r>
             <a:r>
-              <a:rPr lang="en-US" sz="1400" dirty="0" smtClean="0">
+              <a:rPr lang="en-US" sz="1400" smtClean="0">
                 <a:solidFill>
                   <a:srgbClr val="C00000"/>
                 </a:solidFill>
                 <a:latin typeface="Consolas" panose="020B0609020204030204" pitchFamily="49" charset="0"/>
               </a:rPr>
-              <a:t>only screen </a:t>
-            </a:r>
+              <a:t>only all </a:t>
+            </a:r>
+            <a:endParaRPr lang="en-US" sz="1400" dirty="0" smtClean="0">
+              <a:solidFill>
+                <a:srgbClr val="C00000"/>
+              </a:solidFill>
+              <a:latin typeface="Consolas" panose="020B0609020204030204" pitchFamily="49" charset="0"/>
+            </a:endParaRPr>
           </a:p>
           <a:p>
             <a:r>
@@ -20713,7 +20811,7 @@
         <p:spPr>
           <a:xfrm>
             <a:off x="746760" y="2919548"/>
-            <a:ext cx="4783183" cy="2105298"/>
+            <a:ext cx="4783183" cy="2566852"/>
           </a:xfrm>
         </p:spPr>
         <p:txBody>
@@ -20725,11 +20823,7 @@
             </a:pPr>
             <a:r>
               <a:rPr lang="en-US" dirty="0" smtClean="0"/>
-              <a:t>Wha</a:t>
-            </a:r>
-            <a:r>
-              <a:rPr lang="en-US" dirty="0" smtClean="0"/>
-              <a:t>t is it?</a:t>
+              <a:t>What is it?</a:t>
             </a:r>
           </a:p>
           <a:p>
@@ -20756,8 +20850,22 @@
             </a:pPr>
             <a:r>
               <a:rPr lang="en-US" dirty="0" smtClean="0"/>
-              <a:t>Bootstrap 4 grid system</a:t>
-            </a:r>
+              <a:t>Bootstrap 4 grid </a:t>
+            </a:r>
+            <a:r>
+              <a:rPr lang="en-US" dirty="0" smtClean="0"/>
+              <a:t>system</a:t>
+            </a:r>
+          </a:p>
+          <a:p>
+            <a:pPr marL="457200" indent="-457200">
+              <a:buAutoNum type="arabicPeriod"/>
+            </a:pPr>
+            <a:r>
+              <a:rPr lang="en-US" dirty="0" smtClean="0"/>
+              <a:t>Mobile first</a:t>
+            </a:r>
+            <a:endParaRPr lang="en-US" dirty="0" smtClean="0"/>
           </a:p>
           <a:p>
             <a:pPr marL="457200" indent="-457200">
@@ -20863,6 +20971,157 @@
             <a:pPr algn="ctr"/>
             <a:r>
               <a:rPr lang="en-US" dirty="0" smtClean="0"/>
+              <a:t>Mobile first</a:t>
+            </a:r>
+            <a:endParaRPr lang="uk-UA" dirty="0"/>
+          </a:p>
+        </p:txBody>
+      </p:sp>
+      <p:pic>
+        <p:nvPicPr>
+          <p:cNvPr id="2" name="Рисунок 1"/>
+          <p:cNvPicPr>
+            <a:picLocks noChangeAspect="1"/>
+          </p:cNvPicPr>
+          <p:nvPr/>
+        </p:nvPicPr>
+        <p:blipFill>
+          <a:blip r:embed="rId3">
+            <a:extLst>
+              <a:ext uri="{28A0092B-C50C-407E-A947-70E740481C1C}">
+                <a14:useLocalDpi xmlns:a14="http://schemas.microsoft.com/office/drawing/2010/main" val="0"/>
+              </a:ext>
+            </a:extLst>
+          </a:blip>
+          <a:stretch>
+            <a:fillRect/>
+          </a:stretch>
+        </p:blipFill>
+        <p:spPr>
+          <a:xfrm>
+            <a:off x="5984966" y="2291441"/>
+            <a:ext cx="5808617" cy="3152044"/>
+          </a:xfrm>
+          <a:prstGeom prst="rect">
+            <a:avLst/>
+          </a:prstGeom>
+        </p:spPr>
+      </p:pic>
+      <p:sp>
+        <p:nvSpPr>
+          <p:cNvPr id="7" name="TextBox 6"/>
+          <p:cNvSpPr txBox="1"/>
+          <p:nvPr/>
+        </p:nvSpPr>
+        <p:spPr>
+          <a:xfrm>
+            <a:off x="346166" y="3056708"/>
+            <a:ext cx="5148942" cy="1200329"/>
+          </a:xfrm>
+          <a:prstGeom prst="rect">
+            <a:avLst/>
+          </a:prstGeom>
+          <a:noFill/>
+        </p:spPr>
+        <p:txBody>
+          <a:bodyPr wrap="square" rtlCol="0">
+            <a:spAutoFit/>
+          </a:bodyPr>
+          <a:lstStyle/>
+          <a:p>
+            <a:pPr algn="just"/>
+            <a:r>
+              <a:rPr lang="en-US" dirty="0">
+                <a:solidFill>
+                  <a:schemeClr val="bg1">
+                    <a:lumMod val="95000"/>
+                    <a:lumOff val="5000"/>
+                  </a:schemeClr>
+                </a:solidFill>
+                <a:latin typeface="Times New Roman" panose="02020603050405020304" pitchFamily="18" charset="0"/>
+                <a:cs typeface="Times New Roman" panose="02020603050405020304" pitchFamily="18" charset="0"/>
+              </a:rPr>
+              <a:t>“Mobile first”, as the name suggests, means that we start the product design from the mobile end which has more restrictions, then expand its features to create a tablet or desktop version</a:t>
+            </a:r>
+            <a:endParaRPr lang="uk-UA" dirty="0">
+              <a:solidFill>
+                <a:schemeClr val="bg1">
+                  <a:lumMod val="95000"/>
+                  <a:lumOff val="5000"/>
+                </a:schemeClr>
+              </a:solidFill>
+              <a:latin typeface="Times New Roman" panose="02020603050405020304" pitchFamily="18" charset="0"/>
+              <a:cs typeface="Times New Roman" panose="02020603050405020304" pitchFamily="18" charset="0"/>
+            </a:endParaRPr>
+          </a:p>
+        </p:txBody>
+      </p:sp>
+    </p:spTree>
+    <p:extLst>
+      <p:ext uri="{BB962C8B-B14F-4D97-AF65-F5344CB8AC3E}">
+        <p14:creationId xmlns:p14="http://schemas.microsoft.com/office/powerpoint/2010/main" val="702703195"/>
+      </p:ext>
+    </p:extLst>
+  </p:cSld>
+  <p:clrMapOvr>
+    <a:masterClrMapping/>
+  </p:clrMapOvr>
+  <p:timing>
+    <p:tnLst>
+      <p:par>
+        <p:cTn id="1" dur="indefinite" restart="never" nodeType="tmRoot"/>
+      </p:par>
+    </p:tnLst>
+  </p:timing>
+</p:sld>
+</file>
+
+<file path=ppt/slides/slide21.xml><?xml version="1.0" encoding="utf-8"?>
+<p:sld xmlns:a="http://schemas.openxmlformats.org/drawingml/2006/main" xmlns:r="http://schemas.openxmlformats.org/officeDocument/2006/relationships" xmlns:p="http://schemas.openxmlformats.org/presentationml/2006/main">
+  <p:cSld>
+    <p:spTree>
+      <p:nvGrpSpPr>
+        <p:cNvPr id="1" name=""/>
+        <p:cNvGrpSpPr/>
+        <p:nvPr/>
+      </p:nvGrpSpPr>
+      <p:grpSpPr>
+        <a:xfrm>
+          <a:off x="0" y="0"/>
+          <a:ext cx="0" cy="0"/>
+          <a:chOff x="0" y="0"/>
+          <a:chExt cx="0" cy="0"/>
+        </a:xfrm>
+      </p:grpSpPr>
+      <p:sp>
+        <p:nvSpPr>
+          <p:cNvPr id="6" name="Title 5">
+            <a:extLst>
+              <a:ext uri="{FF2B5EF4-FFF2-40B4-BE49-F238E27FC236}">
+                <a16:creationId xmlns:a16="http://schemas.microsoft.com/office/drawing/2014/main" id="{C26BA086-93B2-44A2-8B1B-22E693D2ABB6}"/>
+              </a:ext>
+            </a:extLst>
+          </p:cNvPr>
+          <p:cNvSpPr>
+            <a:spLocks noGrp="1"/>
+          </p:cNvSpPr>
+          <p:nvPr>
+            <p:ph type="title"/>
+          </p:nvPr>
+        </p:nvSpPr>
+        <p:spPr>
+          <a:xfrm>
+            <a:off x="685800" y="563881"/>
+            <a:ext cx="10820400" cy="685800"/>
+          </a:xfrm>
+        </p:spPr>
+        <p:txBody>
+          <a:bodyPr/>
+          <a:lstStyle/>
+          <a:p>
+            <a:pPr algn="ctr"/>
+            <a:r>
+              <a:rPr lang="en-US" dirty="0" smtClean="0"/>
               <a:t>The END!!</a:t>
             </a:r>
             <a:endParaRPr lang="uk-UA" dirty="0"/>
@@ -20975,7 +21234,7 @@
 </p:sld>
 </file>
 
-<file path=ppt/slides/slide21.xml><?xml version="1.0" encoding="utf-8"?>
+<file path=ppt/slides/slide22.xml><?xml version="1.0" encoding="utf-8"?>
 <p:sld xmlns:a="http://schemas.openxmlformats.org/drawingml/2006/main" xmlns:r="http://schemas.openxmlformats.org/officeDocument/2006/relationships" xmlns:p="http://schemas.openxmlformats.org/presentationml/2006/main">
   <p:cSld>
     <p:spTree>
@@ -21768,6 +22027,66 @@
           <a:xfrm>
             <a:off x="1246223" y="1231867"/>
             <a:ext cx="10058400" cy="4644055"/>
+          </a:xfrm>
+          <a:prstGeom prst="rect">
+            <a:avLst/>
+          </a:prstGeom>
+        </p:spPr>
+      </p:pic>
+      <p:pic>
+        <p:nvPicPr>
+          <p:cNvPr id="5" name="Рисунок 4"/>
+          <p:cNvPicPr>
+            <a:picLocks noChangeAspect="1"/>
+          </p:cNvPicPr>
+          <p:nvPr/>
+        </p:nvPicPr>
+        <p:blipFill>
+          <a:blip r:embed="rId3">
+            <a:extLst>
+              <a:ext uri="{28A0092B-C50C-407E-A947-70E740481C1C}">
+                <a14:useLocalDpi xmlns:a14="http://schemas.microsoft.com/office/drawing/2010/main" val="0"/>
+              </a:ext>
+            </a:extLst>
+          </a:blip>
+          <a:stretch>
+            <a:fillRect/>
+          </a:stretch>
+        </p:blipFill>
+        <p:spPr>
+          <a:xfrm>
+            <a:off x="4131840" y="3799182"/>
+            <a:ext cx="3458058" cy="2076740"/>
+          </a:xfrm>
+          <a:prstGeom prst="rect">
+            <a:avLst/>
+          </a:prstGeom>
+        </p:spPr>
+      </p:pic>
+      <p:pic>
+        <p:nvPicPr>
+          <p:cNvPr id="6" name="Рисунок 5"/>
+          <p:cNvPicPr>
+            <a:picLocks noChangeAspect="1"/>
+          </p:cNvPicPr>
+          <p:nvPr/>
+        </p:nvPicPr>
+        <p:blipFill>
+          <a:blip r:embed="rId4">
+            <a:extLst>
+              <a:ext uri="{28A0092B-C50C-407E-A947-70E740481C1C}">
+                <a14:useLocalDpi xmlns:a14="http://schemas.microsoft.com/office/drawing/2010/main" val="0"/>
+              </a:ext>
+            </a:extLst>
+          </a:blip>
+          <a:stretch>
+            <a:fillRect/>
+          </a:stretch>
+        </p:blipFill>
+        <p:spPr>
+          <a:xfrm>
+            <a:off x="7703942" y="3870629"/>
+            <a:ext cx="3486637" cy="1933845"/>
           </a:xfrm>
           <a:prstGeom prst="rect">
             <a:avLst/>
@@ -25551,16 +25870,16 @@
 <file path=customXml/itemProps1.xml><?xml version="1.0" encoding="utf-8"?>
 <ds:datastoreItem xmlns:ds="http://schemas.openxmlformats.org/officeDocument/2006/customXml" ds:itemID="{E9033E08-7FE9-4F6D-B155-A8777B4A5A57}">
   <ds:schemaRefs>
-    <ds:schemaRef ds:uri="835f28f2-30f1-4728-84d2-86d96e143488"/>
-    <ds:schemaRef ds:uri="http://schemas.microsoft.com/office/2006/documentManagement/types"/>
     <ds:schemaRef ds:uri="http://purl.org/dc/dcmitype/"/>
     <ds:schemaRef ds:uri="http://purl.org/dc/elements/1.1/"/>
+    <ds:schemaRef ds:uri="http://schemas.microsoft.com/office/infopath/2007/PartnerControls"/>
+    <ds:schemaRef ds:uri="http://www.w3.org/XML/1998/namespace"/>
+    <ds:schemaRef ds:uri="http://schemas.openxmlformats.org/package/2006/metadata/core-properties"/>
+    <ds:schemaRef ds:uri="http://schemas.microsoft.com/office/2006/documentManagement/types"/>
+    <ds:schemaRef ds:uri="341e6018-ac0a-4dfb-8409-db9e0d25502e"/>
+    <ds:schemaRef ds:uri="835f28f2-30f1-4728-84d2-86d96e143488"/>
+    <ds:schemaRef ds:uri="http://schemas.microsoft.com/office/2006/metadata/properties"/>
     <ds:schemaRef ds:uri="http://purl.org/dc/terms/"/>
-    <ds:schemaRef ds:uri="http://www.w3.org/XML/1998/namespace"/>
-    <ds:schemaRef ds:uri="http://schemas.microsoft.com/office/2006/metadata/properties"/>
-    <ds:schemaRef ds:uri="341e6018-ac0a-4dfb-8409-db9e0d25502e"/>
-    <ds:schemaRef ds:uri="http://schemas.microsoft.com/office/infopath/2007/PartnerControls"/>
-    <ds:schemaRef ds:uri="http://schemas.openxmlformats.org/package/2006/metadata/core-properties"/>
   </ds:schemaRefs>
 </ds:datastoreItem>
 </file>

--- a/responsive_design.pptx
+++ b/responsive_design.pptx
@@ -7,7 +7,7 @@
     <p:sldMasterId id="2147484842" r:id="rId6"/>
   </p:sldMasterIdLst>
   <p:notesMasterIdLst>
-    <p:notesMasterId r:id="rId29"/>
+    <p:notesMasterId r:id="rId31"/>
   </p:notesMasterIdLst>
   <p:sldIdLst>
     <p:sldId id="1224" r:id="rId7"/>
@@ -30,8 +30,10 @@
     <p:sldId id="1247" r:id="rId24"/>
     <p:sldId id="1248" r:id="rId25"/>
     <p:sldId id="1255" r:id="rId26"/>
-    <p:sldId id="1252" r:id="rId27"/>
-    <p:sldId id="1206" r:id="rId28"/>
+    <p:sldId id="1256" r:id="rId27"/>
+    <p:sldId id="1257" r:id="rId28"/>
+    <p:sldId id="1252" r:id="rId29"/>
+    <p:sldId id="1206" r:id="rId30"/>
   </p:sldIdLst>
   <p:sldSz cx="12192000" cy="6858000"/>
   <p:notesSz cx="6858000" cy="9144000"/>
@@ -185,6 +187,8 @@
             <p14:sldId id="1247"/>
             <p14:sldId id="1248"/>
             <p14:sldId id="1255"/>
+            <p14:sldId id="1256"/>
+            <p14:sldId id="1257"/>
             <p14:sldId id="1252"/>
             <p14:sldId id="1206"/>
           </p14:sldIdLst>
@@ -2435,6 +2439,186 @@
                 <a:defRPr/>
               </a:pPr>
               <a:t>21</a:t>
+            </a:fld>
+            <a:endParaRPr lang="en-GB"/>
+          </a:p>
+        </p:txBody>
+      </p:sp>
+    </p:spTree>
+    <p:extLst>
+      <p:ext uri="{BB962C8B-B14F-4D97-AF65-F5344CB8AC3E}">
+        <p14:creationId xmlns:p14="http://schemas.microsoft.com/office/powerpoint/2010/main" val="816110848"/>
+      </p:ext>
+    </p:extLst>
+  </p:cSld>
+  <p:clrMapOvr>
+    <a:masterClrMapping/>
+  </p:clrMapOvr>
+</p:notes>
+</file>
+
+<file path=ppt/notesSlides/notesSlide8.xml><?xml version="1.0" encoding="utf-8"?>
+<p:notes xmlns:a="http://schemas.openxmlformats.org/drawingml/2006/main" xmlns:r="http://schemas.openxmlformats.org/officeDocument/2006/relationships" xmlns:p="http://schemas.openxmlformats.org/presentationml/2006/main">
+  <p:cSld>
+    <p:spTree>
+      <p:nvGrpSpPr>
+        <p:cNvPr id="1" name=""/>
+        <p:cNvGrpSpPr/>
+        <p:nvPr/>
+      </p:nvGrpSpPr>
+      <p:grpSpPr>
+        <a:xfrm>
+          <a:off x="0" y="0"/>
+          <a:ext cx="0" cy="0"/>
+          <a:chOff x="0" y="0"/>
+          <a:chExt cx="0" cy="0"/>
+        </a:xfrm>
+      </p:grpSpPr>
+      <p:sp>
+        <p:nvSpPr>
+          <p:cNvPr id="2" name="Місце для зображення 1"/>
+          <p:cNvSpPr>
+            <a:spLocks noGrp="1" noRot="1" noChangeAspect="1"/>
+          </p:cNvSpPr>
+          <p:nvPr>
+            <p:ph type="sldImg"/>
+          </p:nvPr>
+        </p:nvSpPr>
+        <p:spPr/>
+      </p:sp>
+      <p:sp>
+        <p:nvSpPr>
+          <p:cNvPr id="3" name="Місце для нотаток 2"/>
+          <p:cNvSpPr>
+            <a:spLocks noGrp="1"/>
+          </p:cNvSpPr>
+          <p:nvPr>
+            <p:ph type="body" idx="1"/>
+          </p:nvPr>
+        </p:nvSpPr>
+        <p:spPr/>
+        <p:txBody>
+          <a:bodyPr/>
+          <a:lstStyle/>
+          <a:p>
+            <a:endParaRPr lang="uk-UA" dirty="0"/>
+          </a:p>
+        </p:txBody>
+      </p:sp>
+      <p:sp>
+        <p:nvSpPr>
+          <p:cNvPr id="4" name="Місце для номера слайда 3"/>
+          <p:cNvSpPr>
+            <a:spLocks noGrp="1"/>
+          </p:cNvSpPr>
+          <p:nvPr>
+            <p:ph type="sldNum" sz="quarter" idx="10"/>
+          </p:nvPr>
+        </p:nvSpPr>
+        <p:spPr/>
+        <p:txBody>
+          <a:bodyPr/>
+          <a:lstStyle/>
+          <a:p>
+            <a:pPr>
+              <a:defRPr/>
+            </a:pPr>
+            <a:fld id="{A7524555-7A4A-402C-AA8C-9E148724DB57}" type="slidenum">
+              <a:rPr lang="en-GB" smtClean="0"/>
+              <a:pPr>
+                <a:defRPr/>
+              </a:pPr>
+              <a:t>22</a:t>
+            </a:fld>
+            <a:endParaRPr lang="en-GB"/>
+          </a:p>
+        </p:txBody>
+      </p:sp>
+    </p:spTree>
+    <p:extLst>
+      <p:ext uri="{BB962C8B-B14F-4D97-AF65-F5344CB8AC3E}">
+        <p14:creationId xmlns:p14="http://schemas.microsoft.com/office/powerpoint/2010/main" val="4140632597"/>
+      </p:ext>
+    </p:extLst>
+  </p:cSld>
+  <p:clrMapOvr>
+    <a:masterClrMapping/>
+  </p:clrMapOvr>
+</p:notes>
+</file>
+
+<file path=ppt/notesSlides/notesSlide9.xml><?xml version="1.0" encoding="utf-8"?>
+<p:notes xmlns:a="http://schemas.openxmlformats.org/drawingml/2006/main" xmlns:r="http://schemas.openxmlformats.org/officeDocument/2006/relationships" xmlns:p="http://schemas.openxmlformats.org/presentationml/2006/main">
+  <p:cSld>
+    <p:spTree>
+      <p:nvGrpSpPr>
+        <p:cNvPr id="1" name=""/>
+        <p:cNvGrpSpPr/>
+        <p:nvPr/>
+      </p:nvGrpSpPr>
+      <p:grpSpPr>
+        <a:xfrm>
+          <a:off x="0" y="0"/>
+          <a:ext cx="0" cy="0"/>
+          <a:chOff x="0" y="0"/>
+          <a:chExt cx="0" cy="0"/>
+        </a:xfrm>
+      </p:grpSpPr>
+      <p:sp>
+        <p:nvSpPr>
+          <p:cNvPr id="2" name="Місце для зображення 1"/>
+          <p:cNvSpPr>
+            <a:spLocks noGrp="1" noRot="1" noChangeAspect="1"/>
+          </p:cNvSpPr>
+          <p:nvPr>
+            <p:ph type="sldImg"/>
+          </p:nvPr>
+        </p:nvSpPr>
+        <p:spPr/>
+      </p:sp>
+      <p:sp>
+        <p:nvSpPr>
+          <p:cNvPr id="3" name="Місце для нотаток 2"/>
+          <p:cNvSpPr>
+            <a:spLocks noGrp="1"/>
+          </p:cNvSpPr>
+          <p:nvPr>
+            <p:ph type="body" idx="1"/>
+          </p:nvPr>
+        </p:nvSpPr>
+        <p:spPr/>
+        <p:txBody>
+          <a:bodyPr/>
+          <a:lstStyle/>
+          <a:p>
+            <a:endParaRPr lang="uk-UA" dirty="0"/>
+          </a:p>
+        </p:txBody>
+      </p:sp>
+      <p:sp>
+        <p:nvSpPr>
+          <p:cNvPr id="4" name="Місце для номера слайда 3"/>
+          <p:cNvSpPr>
+            <a:spLocks noGrp="1"/>
+          </p:cNvSpPr>
+          <p:nvPr>
+            <p:ph type="sldNum" sz="quarter" idx="10"/>
+          </p:nvPr>
+        </p:nvSpPr>
+        <p:spPr/>
+        <p:txBody>
+          <a:bodyPr/>
+          <a:lstStyle/>
+          <a:p>
+            <a:pPr>
+              <a:defRPr/>
+            </a:pPr>
+            <a:fld id="{A7524555-7A4A-402C-AA8C-9E148724DB57}" type="slidenum">
+              <a:rPr lang="en-GB" smtClean="0"/>
+              <a:pPr>
+                <a:defRPr/>
+              </a:pPr>
+              <a:t>23</a:t>
             </a:fld>
             <a:endParaRPr lang="en-GB"/>
           </a:p>
@@ -20850,11 +21034,7 @@
             </a:pPr>
             <a:r>
               <a:rPr lang="en-US" dirty="0" smtClean="0"/>
-              <a:t>Bootstrap 4 grid </a:t>
-            </a:r>
-            <a:r>
-              <a:rPr lang="en-US" dirty="0" smtClean="0"/>
-              <a:t>system</a:t>
+              <a:t>Bootstrap 4 grid system</a:t>
             </a:r>
           </a:p>
           <a:p>
@@ -20863,7 +21043,20 @@
             </a:pPr>
             <a:r>
               <a:rPr lang="en-US" dirty="0" smtClean="0"/>
-              <a:t>Mobile first</a:t>
+              <a:t>Mobile </a:t>
+            </a:r>
+            <a:r>
+              <a:rPr lang="en-US" dirty="0" smtClean="0"/>
+              <a:t>first</a:t>
+            </a:r>
+          </a:p>
+          <a:p>
+            <a:pPr marL="457200" indent="-457200">
+              <a:buAutoNum type="arabicPeriod"/>
+            </a:pPr>
+            <a:r>
+              <a:rPr lang="en-US" dirty="0" smtClean="0"/>
+              <a:t>Fixed and fluid</a:t>
             </a:r>
             <a:endParaRPr lang="en-US" dirty="0" smtClean="0"/>
           </a:p>
@@ -21122,6 +21315,347 @@
             <a:pPr algn="ctr"/>
             <a:r>
               <a:rPr lang="en-US" dirty="0" smtClean="0"/>
+              <a:t>Fixed design</a:t>
+            </a:r>
+            <a:endParaRPr lang="uk-UA" dirty="0"/>
+          </a:p>
+        </p:txBody>
+      </p:sp>
+      <p:sp>
+        <p:nvSpPr>
+          <p:cNvPr id="7" name="TextBox 6"/>
+          <p:cNvSpPr txBox="1"/>
+          <p:nvPr/>
+        </p:nvSpPr>
+        <p:spPr>
+          <a:xfrm>
+            <a:off x="328748" y="2656113"/>
+            <a:ext cx="5279571" cy="1754326"/>
+          </a:xfrm>
+          <a:prstGeom prst="rect">
+            <a:avLst/>
+          </a:prstGeom>
+          <a:noFill/>
+        </p:spPr>
+        <p:txBody>
+          <a:bodyPr wrap="square" rtlCol="0">
+            <a:spAutoFit/>
+          </a:bodyPr>
+          <a:lstStyle/>
+          <a:p>
+            <a:pPr algn="just"/>
+            <a:r>
+              <a:rPr lang="en-US" dirty="0" smtClean="0">
+                <a:solidFill>
+                  <a:schemeClr val="bg2">
+                    <a:lumMod val="95000"/>
+                    <a:lumOff val="5000"/>
+                  </a:schemeClr>
+                </a:solidFill>
+                <a:latin typeface="Times New Roman" panose="02020603050405020304" pitchFamily="18" charset="0"/>
+                <a:cs typeface="Times New Roman" panose="02020603050405020304" pitchFamily="18" charset="0"/>
+              </a:rPr>
+              <a:t>Fixed layout </a:t>
+            </a:r>
+            <a:r>
+              <a:rPr lang="en-US" dirty="0">
+                <a:solidFill>
+                  <a:schemeClr val="bg2">
+                    <a:lumMod val="95000"/>
+                    <a:lumOff val="5000"/>
+                  </a:schemeClr>
+                </a:solidFill>
+                <a:latin typeface="Times New Roman" panose="02020603050405020304" pitchFamily="18" charset="0"/>
+                <a:cs typeface="Times New Roman" panose="02020603050405020304" pitchFamily="18" charset="0"/>
+              </a:rPr>
+              <a:t>has a fixed width in pixels. The ‘container’ of the website is programmed to not </a:t>
+            </a:r>
+            <a:r>
+              <a:rPr lang="en-US" dirty="0" smtClean="0">
+                <a:solidFill>
+                  <a:schemeClr val="bg2">
+                    <a:lumMod val="95000"/>
+                    <a:lumOff val="5000"/>
+                  </a:schemeClr>
+                </a:solidFill>
+                <a:latin typeface="Times New Roman" panose="02020603050405020304" pitchFamily="18" charset="0"/>
+                <a:cs typeface="Times New Roman" panose="02020603050405020304" pitchFamily="18" charset="0"/>
+              </a:rPr>
+              <a:t>move This </a:t>
+            </a:r>
+            <a:r>
+              <a:rPr lang="en-US" dirty="0">
+                <a:solidFill>
+                  <a:schemeClr val="bg2">
+                    <a:lumMod val="95000"/>
+                    <a:lumOff val="5000"/>
+                  </a:schemeClr>
+                </a:solidFill>
+                <a:latin typeface="Times New Roman" panose="02020603050405020304" pitchFamily="18" charset="0"/>
+                <a:cs typeface="Times New Roman" panose="02020603050405020304" pitchFamily="18" charset="0"/>
+              </a:rPr>
+              <a:t>width stays the same independently of which screen size or resolution the viewer has. It appears that the width of 960px is the most widely used size for fixed-layout websites</a:t>
+            </a:r>
+            <a:endParaRPr lang="uk-UA" dirty="0">
+              <a:solidFill>
+                <a:schemeClr val="bg2">
+                  <a:lumMod val="95000"/>
+                  <a:lumOff val="5000"/>
+                </a:schemeClr>
+              </a:solidFill>
+              <a:latin typeface="Times New Roman" panose="02020603050405020304" pitchFamily="18" charset="0"/>
+              <a:cs typeface="Times New Roman" panose="02020603050405020304" pitchFamily="18" charset="0"/>
+            </a:endParaRPr>
+          </a:p>
+        </p:txBody>
+      </p:sp>
+      <p:pic>
+        <p:nvPicPr>
+          <p:cNvPr id="3" name="Рисунок 2"/>
+          <p:cNvPicPr>
+            <a:picLocks noChangeAspect="1"/>
+          </p:cNvPicPr>
+          <p:nvPr/>
+        </p:nvPicPr>
+        <p:blipFill>
+          <a:blip r:embed="rId3">
+            <a:extLst>
+              <a:ext uri="{28A0092B-C50C-407E-A947-70E740481C1C}">
+                <a14:useLocalDpi xmlns:a14="http://schemas.microsoft.com/office/drawing/2010/main" val="0"/>
+              </a:ext>
+            </a:extLst>
+          </a:blip>
+          <a:stretch>
+            <a:fillRect/>
+          </a:stretch>
+        </p:blipFill>
+        <p:spPr>
+          <a:xfrm>
+            <a:off x="5950185" y="2013131"/>
+            <a:ext cx="5702519" cy="3664858"/>
+          </a:xfrm>
+          <a:prstGeom prst="rect">
+            <a:avLst/>
+          </a:prstGeom>
+        </p:spPr>
+      </p:pic>
+    </p:spTree>
+    <p:extLst>
+      <p:ext uri="{BB962C8B-B14F-4D97-AF65-F5344CB8AC3E}">
+        <p14:creationId xmlns:p14="http://schemas.microsoft.com/office/powerpoint/2010/main" val="1892969384"/>
+      </p:ext>
+    </p:extLst>
+  </p:cSld>
+  <p:clrMapOvr>
+    <a:masterClrMapping/>
+  </p:clrMapOvr>
+  <p:timing>
+    <p:tnLst>
+      <p:par>
+        <p:cTn id="1" dur="indefinite" restart="never" nodeType="tmRoot"/>
+      </p:par>
+    </p:tnLst>
+  </p:timing>
+</p:sld>
+</file>
+
+<file path=ppt/slides/slide22.xml><?xml version="1.0" encoding="utf-8"?>
+<p:sld xmlns:a="http://schemas.openxmlformats.org/drawingml/2006/main" xmlns:r="http://schemas.openxmlformats.org/officeDocument/2006/relationships" xmlns:p="http://schemas.openxmlformats.org/presentationml/2006/main">
+  <p:cSld>
+    <p:spTree>
+      <p:nvGrpSpPr>
+        <p:cNvPr id="1" name=""/>
+        <p:cNvGrpSpPr/>
+        <p:nvPr/>
+      </p:nvGrpSpPr>
+      <p:grpSpPr>
+        <a:xfrm>
+          <a:off x="0" y="0"/>
+          <a:ext cx="0" cy="0"/>
+          <a:chOff x="0" y="0"/>
+          <a:chExt cx="0" cy="0"/>
+        </a:xfrm>
+      </p:grpSpPr>
+      <p:sp>
+        <p:nvSpPr>
+          <p:cNvPr id="6" name="Title 5">
+            <a:extLst>
+              <a:ext uri="{FF2B5EF4-FFF2-40B4-BE49-F238E27FC236}">
+                <a16:creationId xmlns:a16="http://schemas.microsoft.com/office/drawing/2014/main" id="{C26BA086-93B2-44A2-8B1B-22E693D2ABB6}"/>
+              </a:ext>
+            </a:extLst>
+          </p:cNvPr>
+          <p:cNvSpPr>
+            <a:spLocks noGrp="1"/>
+          </p:cNvSpPr>
+          <p:nvPr>
+            <p:ph type="title"/>
+          </p:nvPr>
+        </p:nvSpPr>
+        <p:spPr>
+          <a:xfrm>
+            <a:off x="685800" y="563881"/>
+            <a:ext cx="10820400" cy="685800"/>
+          </a:xfrm>
+        </p:spPr>
+        <p:txBody>
+          <a:bodyPr/>
+          <a:lstStyle/>
+          <a:p>
+            <a:pPr algn="ctr"/>
+            <a:r>
+              <a:rPr lang="en-US" dirty="0" smtClean="0"/>
+              <a:t>Fluid design</a:t>
+            </a:r>
+            <a:endParaRPr lang="uk-UA" dirty="0"/>
+          </a:p>
+        </p:txBody>
+      </p:sp>
+      <p:sp>
+        <p:nvSpPr>
+          <p:cNvPr id="7" name="TextBox 6"/>
+          <p:cNvSpPr txBox="1"/>
+          <p:nvPr/>
+        </p:nvSpPr>
+        <p:spPr>
+          <a:xfrm>
+            <a:off x="328748" y="2656113"/>
+            <a:ext cx="5279571" cy="1754326"/>
+          </a:xfrm>
+          <a:prstGeom prst="rect">
+            <a:avLst/>
+          </a:prstGeom>
+          <a:noFill/>
+        </p:spPr>
+        <p:txBody>
+          <a:bodyPr wrap="square" rtlCol="0">
+            <a:spAutoFit/>
+          </a:bodyPr>
+          <a:lstStyle/>
+          <a:p>
+            <a:pPr algn="just"/>
+            <a:r>
+              <a:rPr lang="en-US" dirty="0">
+                <a:solidFill>
+                  <a:schemeClr val="bg2">
+                    <a:lumMod val="95000"/>
+                    <a:lumOff val="5000"/>
+                  </a:schemeClr>
+                </a:solidFill>
+                <a:latin typeface="Times New Roman" panose="02020603050405020304" pitchFamily="18" charset="0"/>
+                <a:cs typeface="Times New Roman" panose="02020603050405020304" pitchFamily="18" charset="0"/>
+              </a:rPr>
+              <a:t>The drawback is that on smaller screens the columns can get really narrow. Now imagine how a block of text in a narrow and very tall cell looks like. Or, adding some elements like images and video which should stay of a fixed size. This combination is asking for trouble.</a:t>
+            </a:r>
+            <a:endParaRPr lang="uk-UA" dirty="0">
+              <a:solidFill>
+                <a:schemeClr val="bg2">
+                  <a:lumMod val="95000"/>
+                  <a:lumOff val="5000"/>
+                </a:schemeClr>
+              </a:solidFill>
+              <a:latin typeface="Times New Roman" panose="02020603050405020304" pitchFamily="18" charset="0"/>
+              <a:cs typeface="Times New Roman" panose="02020603050405020304" pitchFamily="18" charset="0"/>
+            </a:endParaRPr>
+          </a:p>
+        </p:txBody>
+      </p:sp>
+      <p:pic>
+        <p:nvPicPr>
+          <p:cNvPr id="3" name="Рисунок 2"/>
+          <p:cNvPicPr>
+            <a:picLocks noChangeAspect="1"/>
+          </p:cNvPicPr>
+          <p:nvPr/>
+        </p:nvPicPr>
+        <p:blipFill>
+          <a:blip r:embed="rId3">
+            <a:extLst>
+              <a:ext uri="{28A0092B-C50C-407E-A947-70E740481C1C}">
+                <a14:useLocalDpi xmlns:a14="http://schemas.microsoft.com/office/drawing/2010/main" val="0"/>
+              </a:ext>
+            </a:extLst>
+          </a:blip>
+          <a:stretch>
+            <a:fillRect/>
+          </a:stretch>
+        </p:blipFill>
+        <p:spPr>
+          <a:xfrm>
+            <a:off x="5950185" y="2013131"/>
+            <a:ext cx="5702519" cy="3664858"/>
+          </a:xfrm>
+          <a:prstGeom prst="rect">
+            <a:avLst/>
+          </a:prstGeom>
+        </p:spPr>
+      </p:pic>
+    </p:spTree>
+    <p:extLst>
+      <p:ext uri="{BB962C8B-B14F-4D97-AF65-F5344CB8AC3E}">
+        <p14:creationId xmlns:p14="http://schemas.microsoft.com/office/powerpoint/2010/main" val="1341858754"/>
+      </p:ext>
+    </p:extLst>
+  </p:cSld>
+  <p:clrMapOvr>
+    <a:masterClrMapping/>
+  </p:clrMapOvr>
+  <p:timing>
+    <p:tnLst>
+      <p:par>
+        <p:cTn id="1" dur="indefinite" restart="never" nodeType="tmRoot"/>
+      </p:par>
+    </p:tnLst>
+  </p:timing>
+</p:sld>
+</file>
+
+<file path=ppt/slides/slide23.xml><?xml version="1.0" encoding="utf-8"?>
+<p:sld xmlns:a="http://schemas.openxmlformats.org/drawingml/2006/main" xmlns:r="http://schemas.openxmlformats.org/officeDocument/2006/relationships" xmlns:p="http://schemas.openxmlformats.org/presentationml/2006/main">
+  <p:cSld>
+    <p:spTree>
+      <p:nvGrpSpPr>
+        <p:cNvPr id="1" name=""/>
+        <p:cNvGrpSpPr/>
+        <p:nvPr/>
+      </p:nvGrpSpPr>
+      <p:grpSpPr>
+        <a:xfrm>
+          <a:off x="0" y="0"/>
+          <a:ext cx="0" cy="0"/>
+          <a:chOff x="0" y="0"/>
+          <a:chExt cx="0" cy="0"/>
+        </a:xfrm>
+      </p:grpSpPr>
+      <p:sp>
+        <p:nvSpPr>
+          <p:cNvPr id="6" name="Title 5">
+            <a:extLst>
+              <a:ext uri="{FF2B5EF4-FFF2-40B4-BE49-F238E27FC236}">
+                <a16:creationId xmlns:a16="http://schemas.microsoft.com/office/drawing/2014/main" id="{C26BA086-93B2-44A2-8B1B-22E693D2ABB6}"/>
+              </a:ext>
+            </a:extLst>
+          </p:cNvPr>
+          <p:cNvSpPr>
+            <a:spLocks noGrp="1"/>
+          </p:cNvSpPr>
+          <p:nvPr>
+            <p:ph type="title"/>
+          </p:nvPr>
+        </p:nvSpPr>
+        <p:spPr>
+          <a:xfrm>
+            <a:off x="685800" y="563881"/>
+            <a:ext cx="10820400" cy="685800"/>
+          </a:xfrm>
+        </p:spPr>
+        <p:txBody>
+          <a:bodyPr/>
+          <a:lstStyle/>
+          <a:p>
+            <a:pPr algn="ctr"/>
+            <a:r>
+              <a:rPr lang="en-US" dirty="0" smtClean="0"/>
               <a:t>The END!!</a:t>
             </a:r>
             <a:endParaRPr lang="uk-UA" dirty="0"/>
@@ -21234,7 +21768,7 @@
 </p:sld>
 </file>
 
-<file path=ppt/slides/slide22.xml><?xml version="1.0" encoding="utf-8"?>
+<file path=ppt/slides/slide24.xml><?xml version="1.0" encoding="utf-8"?>
 <p:sld xmlns:a="http://schemas.openxmlformats.org/drawingml/2006/main" xmlns:r="http://schemas.openxmlformats.org/officeDocument/2006/relationships" xmlns:p="http://schemas.openxmlformats.org/presentationml/2006/main">
   <p:cSld>
     <p:spTree>
@@ -25626,14 +26160,6 @@
 </file>
 
 <file path=customXml/item1.xml><?xml version="1.0" encoding="utf-8"?>
-<p:properties xmlns:p="http://schemas.microsoft.com/office/2006/metadata/properties" xmlns:xsi="http://www.w3.org/2001/XMLSchema-instance" xmlns:pc="http://schemas.microsoft.com/office/infopath/2007/PartnerControls">
-  <documentManagement>
-    <_x041a__x043e__x043c__x0435__x0442__x0430__x0440_ xmlns="835f28f2-30f1-4728-84d2-86d96e143488" xsi:nil="true"/>
-  </documentManagement>
-</p:properties>
-</file>
-
-<file path=customXml/item2.xml><?xml version="1.0" encoding="utf-8"?>
 <ct:contentTypeSchema xmlns:ct="http://schemas.microsoft.com/office/2006/metadata/contentType" xmlns:ma="http://schemas.microsoft.com/office/2006/metadata/properties/metaAttributes" ct:_="" ma:_="" ma:contentTypeName="Document" ma:contentTypeID="0x0101004195FC54A15F344D83577B1CDDD67A5D" ma:contentTypeVersion="13" ma:contentTypeDescription="Create a new document." ma:contentTypeScope="" ma:versionID="30ded57c9b2156718eb8cc7b0e4246dc">
   <xsd:schema xmlns:xsd="http://www.w3.org/2001/XMLSchema" xmlns:xs="http://www.w3.org/2001/XMLSchema" xmlns:p="http://schemas.microsoft.com/office/2006/metadata/properties" xmlns:ns2="341e6018-ac0a-4dfb-8409-db9e0d25502e" xmlns:ns3="835f28f2-30f1-4728-84d2-86d96e143488" targetNamespace="http://schemas.microsoft.com/office/2006/metadata/properties" ma:root="true" ma:fieldsID="a0d1831635397921c92a19e568dfc949" ns2:_="" ns3:_="">
     <xsd:import namespace="341e6018-ac0a-4dfb-8409-db9e0d25502e"/>
@@ -25858,6 +26384,14 @@
 </ct:contentTypeSchema>
 </file>
 
+<file path=customXml/item2.xml><?xml version="1.0" encoding="utf-8"?>
+<p:properties xmlns:p="http://schemas.microsoft.com/office/2006/metadata/properties" xmlns:xsi="http://www.w3.org/2001/XMLSchema-instance" xmlns:pc="http://schemas.microsoft.com/office/infopath/2007/PartnerControls">
+  <documentManagement>
+    <_x041a__x043e__x043c__x0435__x0442__x0430__x0440_ xmlns="835f28f2-30f1-4728-84d2-86d96e143488" xsi:nil="true"/>
+  </documentManagement>
+</p:properties>
+</file>
+
 <file path=customXml/item3.xml><?xml version="1.0" encoding="utf-8"?>
 <?mso-contentType ?>
 <FormTemplates xmlns="http://schemas.microsoft.com/sharepoint/v3/contenttype/forms">
@@ -25868,23 +26402,6 @@
 </file>
 
 <file path=customXml/itemProps1.xml><?xml version="1.0" encoding="utf-8"?>
-<ds:datastoreItem xmlns:ds="http://schemas.openxmlformats.org/officeDocument/2006/customXml" ds:itemID="{E9033E08-7FE9-4F6D-B155-A8777B4A5A57}">
-  <ds:schemaRefs>
-    <ds:schemaRef ds:uri="http://purl.org/dc/dcmitype/"/>
-    <ds:schemaRef ds:uri="http://purl.org/dc/elements/1.1/"/>
-    <ds:schemaRef ds:uri="http://schemas.microsoft.com/office/infopath/2007/PartnerControls"/>
-    <ds:schemaRef ds:uri="http://www.w3.org/XML/1998/namespace"/>
-    <ds:schemaRef ds:uri="http://schemas.openxmlformats.org/package/2006/metadata/core-properties"/>
-    <ds:schemaRef ds:uri="http://schemas.microsoft.com/office/2006/documentManagement/types"/>
-    <ds:schemaRef ds:uri="341e6018-ac0a-4dfb-8409-db9e0d25502e"/>
-    <ds:schemaRef ds:uri="835f28f2-30f1-4728-84d2-86d96e143488"/>
-    <ds:schemaRef ds:uri="http://schemas.microsoft.com/office/2006/metadata/properties"/>
-    <ds:schemaRef ds:uri="http://purl.org/dc/terms/"/>
-  </ds:schemaRefs>
-</ds:datastoreItem>
-</file>
-
-<file path=customXml/itemProps2.xml><?xml version="1.0" encoding="utf-8"?>
 <ds:datastoreItem xmlns:ds="http://schemas.openxmlformats.org/officeDocument/2006/customXml" ds:itemID="{5BCFD5A9-9FF3-42E0-89D7-BF5BFC61DD60}">
   <ds:schemaRefs>
     <ds:schemaRef ds:uri="341e6018-ac0a-4dfb-8409-db9e0d25502e"/>
@@ -25903,6 +26420,23 @@
 </ds:datastoreItem>
 </file>
 
+<file path=customXml/itemProps2.xml><?xml version="1.0" encoding="utf-8"?>
+<ds:datastoreItem xmlns:ds="http://schemas.openxmlformats.org/officeDocument/2006/customXml" ds:itemID="{E9033E08-7FE9-4F6D-B155-A8777B4A5A57}">
+  <ds:schemaRefs>
+    <ds:schemaRef ds:uri="http://purl.org/dc/dcmitype/"/>
+    <ds:schemaRef ds:uri="http://purl.org/dc/elements/1.1/"/>
+    <ds:schemaRef ds:uri="http://schemas.microsoft.com/office/infopath/2007/PartnerControls"/>
+    <ds:schemaRef ds:uri="http://www.w3.org/XML/1998/namespace"/>
+    <ds:schemaRef ds:uri="http://schemas.openxmlformats.org/package/2006/metadata/core-properties"/>
+    <ds:schemaRef ds:uri="http://schemas.microsoft.com/office/2006/documentManagement/types"/>
+    <ds:schemaRef ds:uri="341e6018-ac0a-4dfb-8409-db9e0d25502e"/>
+    <ds:schemaRef ds:uri="835f28f2-30f1-4728-84d2-86d96e143488"/>
+    <ds:schemaRef ds:uri="http://schemas.microsoft.com/office/2006/metadata/properties"/>
+    <ds:schemaRef ds:uri="http://purl.org/dc/terms/"/>
+  </ds:schemaRefs>
+</ds:datastoreItem>
+</file>
+
 <file path=customXml/itemProps3.xml><?xml version="1.0" encoding="utf-8"?>
 <ds:datastoreItem xmlns:ds="http://schemas.openxmlformats.org/officeDocument/2006/customXml" ds:itemID="{296B3B9E-03D8-4766-BF45-6129617CF026}">
   <ds:schemaRefs>
